--- a/PresentationFile/Project Complete.pptx
+++ b/PresentationFile/Project Complete.pptx
@@ -5,7 +5,7 @@
     <p:sldMasterId id="2147483679" r:id="rId1"/>
   </p:sldMasterIdLst>
   <p:notesMasterIdLst>
-    <p:notesMasterId r:id="rId28"/>
+    <p:notesMasterId r:id="rId29"/>
   </p:notesMasterIdLst>
   <p:sldIdLst>
     <p:sldId id="256" r:id="rId2"/>
@@ -23,36 +23,37 @@
     <p:sldId id="320" r:id="rId14"/>
     <p:sldId id="321" r:id="rId15"/>
     <p:sldId id="332" r:id="rId16"/>
-    <p:sldId id="322" r:id="rId17"/>
-    <p:sldId id="323" r:id="rId18"/>
-    <p:sldId id="324" r:id="rId19"/>
-    <p:sldId id="325" r:id="rId20"/>
-    <p:sldId id="328" r:id="rId21"/>
-    <p:sldId id="330" r:id="rId22"/>
-    <p:sldId id="331" r:id="rId23"/>
-    <p:sldId id="326" r:id="rId24"/>
-    <p:sldId id="327" r:id="rId25"/>
-    <p:sldId id="329" r:id="rId26"/>
-    <p:sldId id="274" r:id="rId27"/>
+    <p:sldId id="333" r:id="rId17"/>
+    <p:sldId id="322" r:id="rId18"/>
+    <p:sldId id="323" r:id="rId19"/>
+    <p:sldId id="324" r:id="rId20"/>
+    <p:sldId id="325" r:id="rId21"/>
+    <p:sldId id="328" r:id="rId22"/>
+    <p:sldId id="330" r:id="rId23"/>
+    <p:sldId id="331" r:id="rId24"/>
+    <p:sldId id="326" r:id="rId25"/>
+    <p:sldId id="327" r:id="rId26"/>
+    <p:sldId id="329" r:id="rId27"/>
+    <p:sldId id="274" r:id="rId28"/>
   </p:sldIdLst>
   <p:sldSz cx="9144000" cy="5143500" type="screen16x9"/>
   <p:notesSz cx="6858000" cy="9144000"/>
   <p:embeddedFontLst>
     <p:embeddedFont>
       <p:font typeface="Arimo" panose="020B0604020202020204" charset="0"/>
-      <p:regular r:id="rId29"/>
-      <p:bold r:id="rId30"/>
-      <p:italic r:id="rId31"/>
-      <p:boldItalic r:id="rId32"/>
+      <p:regular r:id="rId30"/>
+      <p:bold r:id="rId31"/>
+      <p:italic r:id="rId32"/>
+      <p:boldItalic r:id="rId33"/>
     </p:embeddedFont>
     <p:embeddedFont>
       <p:font typeface="Bebas Neue" panose="020B0604020202020204" charset="0"/>
-      <p:regular r:id="rId33"/>
+      <p:regular r:id="rId34"/>
     </p:embeddedFont>
     <p:embeddedFont>
       <p:font typeface="Roboto Condensed Light" panose="02000000000000000000" pitchFamily="2" charset="0"/>
-      <p:regular r:id="rId34"/>
-      <p:italic r:id="rId35"/>
+      <p:regular r:id="rId35"/>
+      <p:italic r:id="rId36"/>
     </p:embeddedFont>
   </p:embeddedFontLst>
   <p:defaultTextStyle>
@@ -16371,6 +16372,188 @@
       </p:grpSpPr>
       <p:sp>
         <p:nvSpPr>
+          <p:cNvPr id="3" name="Title 2">
+            <a:extLst>
+              <a:ext uri="{FF2B5EF4-FFF2-40B4-BE49-F238E27FC236}">
+                <a16:creationId xmlns:a16="http://schemas.microsoft.com/office/drawing/2014/main" id="{D24D812E-19EE-4461-A177-F50F61DAE91E}"/>
+              </a:ext>
+            </a:extLst>
+          </p:cNvPr>
+          <p:cNvSpPr>
+            <a:spLocks noGrp="1"/>
+          </p:cNvSpPr>
+          <p:nvPr>
+            <p:ph type="title"/>
+          </p:nvPr>
+        </p:nvSpPr>
+        <p:spPr/>
+        <p:txBody>
+          <a:bodyPr/>
+          <a:lstStyle/>
+          <a:p>
+            <a:r>
+              <a:rPr lang="en-US" dirty="0"/>
+              <a:t>Question 2 cont.</a:t>
+            </a:r>
+            <a:endParaRPr lang="en-GB" dirty="0"/>
+          </a:p>
+        </p:txBody>
+      </p:sp>
+      <p:sp>
+        <p:nvSpPr>
+          <p:cNvPr id="4" name="Subtitle 1">
+            <a:extLst>
+              <a:ext uri="{FF2B5EF4-FFF2-40B4-BE49-F238E27FC236}">
+                <a16:creationId xmlns:a16="http://schemas.microsoft.com/office/drawing/2014/main" id="{EBFA3F2C-F756-4841-BC8B-3CCB3DE78FD3}"/>
+              </a:ext>
+            </a:extLst>
+          </p:cNvPr>
+          <p:cNvSpPr>
+            <a:spLocks noGrp="1"/>
+          </p:cNvSpPr>
+          <p:nvPr>
+            <p:ph type="subTitle" idx="1"/>
+          </p:nvPr>
+        </p:nvSpPr>
+        <p:spPr>
+          <a:xfrm>
+            <a:off x="714375" y="1258888"/>
+            <a:ext cx="3400425" cy="2459037"/>
+          </a:xfrm>
+        </p:spPr>
+        <p:txBody>
+          <a:bodyPr/>
+          <a:lstStyle/>
+          <a:p>
+            <a:r>
+              <a:rPr lang="en-US" dirty="0">
+                <a:solidFill>
+                  <a:schemeClr val="accent5"/>
+                </a:solidFill>
+              </a:rPr>
+              <a:t>Regression analysis of duration of staying with the bank against age  of the customers.</a:t>
+            </a:r>
+          </a:p>
+          <a:p>
+            <a:endParaRPr lang="en-US" dirty="0">
+              <a:solidFill>
+                <a:schemeClr val="accent5"/>
+              </a:solidFill>
+            </a:endParaRPr>
+          </a:p>
+          <a:p>
+            <a:r>
+              <a:rPr lang="en-US" dirty="0">
+                <a:solidFill>
+                  <a:schemeClr val="accent5"/>
+                </a:solidFill>
+              </a:rPr>
+              <a:t>As the customers grow older by a year, they tends to stay with the bank.</a:t>
+            </a:r>
+          </a:p>
+          <a:p>
+            <a:endParaRPr lang="en-US" dirty="0">
+              <a:solidFill>
+                <a:schemeClr val="accent5"/>
+              </a:solidFill>
+            </a:endParaRPr>
+          </a:p>
+          <a:p>
+            <a:r>
+              <a:rPr lang="en-US" dirty="0">
+                <a:solidFill>
+                  <a:schemeClr val="accent5"/>
+                </a:solidFill>
+              </a:rPr>
+              <a:t>This suggests that increase in the age of the customer by a year will increase the period of staying with bank by 0.79%.</a:t>
+            </a:r>
+            <a:endParaRPr lang="en-GB" dirty="0">
+              <a:solidFill>
+                <a:schemeClr val="accent5"/>
+              </a:solidFill>
+            </a:endParaRPr>
+          </a:p>
+        </p:txBody>
+      </p:sp>
+      <p:pic>
+        <p:nvPicPr>
+          <p:cNvPr id="5" name="Picture 2">
+            <a:extLst>
+              <a:ext uri="{FF2B5EF4-FFF2-40B4-BE49-F238E27FC236}">
+                <a16:creationId xmlns:a16="http://schemas.microsoft.com/office/drawing/2014/main" id="{9A9EA453-A2E8-4412-82CB-FECBEDA70F04}"/>
+              </a:ext>
+            </a:extLst>
+          </p:cNvPr>
+          <p:cNvPicPr>
+            <a:picLocks noChangeAspect="1" noChangeArrowheads="1"/>
+          </p:cNvPicPr>
+          <p:nvPr/>
+        </p:nvPicPr>
+        <p:blipFill>
+          <a:blip r:embed="rId2">
+            <a:extLst>
+              <a:ext uri="{28A0092B-C50C-407E-A947-70E740481C1C}">
+                <a14:useLocalDpi xmlns:a14="http://schemas.microsoft.com/office/drawing/2010/main" val="0"/>
+              </a:ext>
+            </a:extLst>
+          </a:blip>
+          <a:srcRect/>
+          <a:stretch>
+            <a:fillRect/>
+          </a:stretch>
+        </p:blipFill>
+        <p:spPr bwMode="auto">
+          <a:xfrm>
+            <a:off x="4195004" y="779314"/>
+            <a:ext cx="4311734" cy="3418184"/>
+          </a:xfrm>
+          <a:prstGeom prst="rect">
+            <a:avLst/>
+          </a:prstGeom>
+          <a:noFill/>
+          <a:extLst>
+            <a:ext uri="{909E8E84-426E-40DD-AFC4-6F175D3DCCD1}">
+              <a14:hiddenFill xmlns:a14="http://schemas.microsoft.com/office/drawing/2010/main">
+                <a:solidFill>
+                  <a:srgbClr val="FFFFFF"/>
+                </a:solidFill>
+              </a14:hiddenFill>
+            </a:ext>
+          </a:extLst>
+        </p:spPr>
+      </p:pic>
+    </p:spTree>
+    <p:extLst>
+      <p:ext uri="{BB962C8B-B14F-4D97-AF65-F5344CB8AC3E}">
+        <p14:creationId xmlns:p14="http://schemas.microsoft.com/office/powerpoint/2010/main" val="1504641758"/>
+      </p:ext>
+    </p:extLst>
+  </p:cSld>
+  <p:clrMapOvr>
+    <a:masterClrMapping/>
+  </p:clrMapOvr>
+</p:sld>
+</file>
+
+<file path=ppt/slides/slide17.xml><?xml version="1.0" encoding="utf-8"?>
+<p:sld xmlns:a="http://schemas.openxmlformats.org/drawingml/2006/main" xmlns:r="http://schemas.openxmlformats.org/officeDocument/2006/relationships" xmlns:p="http://schemas.openxmlformats.org/presentationml/2006/main">
+  <p:cSld>
+    <p:spTree>
+      <p:nvGrpSpPr>
+        <p:cNvPr id="1" name=""/>
+        <p:cNvGrpSpPr/>
+        <p:nvPr/>
+      </p:nvGrpSpPr>
+      <p:grpSpPr>
+        <a:xfrm>
+          <a:off x="0" y="0"/>
+          <a:ext cx="0" cy="0"/>
+          <a:chOff x="0" y="0"/>
+          <a:chExt cx="0" cy="0"/>
+        </a:xfrm>
+      </p:grpSpPr>
+      <p:sp>
+        <p:nvSpPr>
           <p:cNvPr id="2" name="Subtitle 1">
             <a:extLst>
               <a:ext uri="{FF2B5EF4-FFF2-40B4-BE49-F238E27FC236}">
@@ -16439,10 +16622,10 @@
       </p:sp>
       <p:pic>
         <p:nvPicPr>
-          <p:cNvPr id="5" name="Picture 4" descr="Chart, pie chart&#10;&#10;Description automatically generated">
+          <p:cNvPr id="6" name="Picture 5" descr="Chart, pie chart&#10;&#10;Description automatically generated">
             <a:extLst>
               <a:ext uri="{FF2B5EF4-FFF2-40B4-BE49-F238E27FC236}">
-                <a16:creationId xmlns:a16="http://schemas.microsoft.com/office/drawing/2014/main" id="{31F9D8A0-ED5B-4442-AFEA-BBF145D5520E}"/>
+                <a16:creationId xmlns:a16="http://schemas.microsoft.com/office/drawing/2014/main" id="{0090BC4C-112C-4512-A0C1-C49535AB46CA}"/>
               </a:ext>
             </a:extLst>
           </p:cNvPr>
@@ -16459,8 +16642,8 @@
         </p:blipFill>
         <p:spPr>
           <a:xfrm>
-            <a:off x="4264055" y="1591176"/>
-            <a:ext cx="3493105" cy="3292544"/>
+            <a:off x="3806149" y="1546860"/>
+            <a:ext cx="3529012" cy="3417570"/>
           </a:xfrm>
           <a:prstGeom prst="rect">
             <a:avLst/>
@@ -16480,85 +16663,10 @@
   <p:transition spd="slow">
     <p:wipe/>
   </p:transition>
-  <p:timing>
-    <p:tnLst>
-      <p:par>
-        <p:cTn id="1" dur="indefinite" restart="never" nodeType="tmRoot">
-          <p:childTnLst>
-            <p:seq concurrent="1" nextAc="seek">
-              <p:cTn id="2" dur="indefinite" nodeType="mainSeq">
-                <p:childTnLst>
-                  <p:par>
-                    <p:cTn id="3" fill="hold">
-                      <p:stCondLst>
-                        <p:cond delay="indefinite"/>
-                      </p:stCondLst>
-                      <p:childTnLst>
-                        <p:par>
-                          <p:cTn id="4" fill="hold">
-                            <p:stCondLst>
-                              <p:cond delay="0"/>
-                            </p:stCondLst>
-                            <p:childTnLst>
-                              <p:par>
-                                <p:cTn id="5" presetID="1" presetClass="entr" presetSubtype="0" fill="hold" nodeType="clickEffect">
-                                  <p:stCondLst>
-                                    <p:cond delay="0"/>
-                                  </p:stCondLst>
-                                  <p:childTnLst>
-                                    <p:set>
-                                      <p:cBhvr>
-                                        <p:cTn id="6" dur="1" fill="hold">
-                                          <p:stCondLst>
-                                            <p:cond delay="0"/>
-                                          </p:stCondLst>
-                                        </p:cTn>
-                                        <p:tgtEl>
-                                          <p:spTgt spid="5"/>
-                                        </p:tgtEl>
-                                        <p:attrNameLst>
-                                          <p:attrName>style.visibility</p:attrName>
-                                        </p:attrNameLst>
-                                      </p:cBhvr>
-                                      <p:to>
-                                        <p:strVal val="visible"/>
-                                      </p:to>
-                                    </p:set>
-                                  </p:childTnLst>
-                                </p:cTn>
-                              </p:par>
-                            </p:childTnLst>
-                          </p:cTn>
-                        </p:par>
-                      </p:childTnLst>
-                    </p:cTn>
-                  </p:par>
-                </p:childTnLst>
-              </p:cTn>
-              <p:prevCondLst>
-                <p:cond evt="onPrev" delay="0">
-                  <p:tgtEl>
-                    <p:sldTgt/>
-                  </p:tgtEl>
-                </p:cond>
-              </p:prevCondLst>
-              <p:nextCondLst>
-                <p:cond evt="onNext" delay="0">
-                  <p:tgtEl>
-                    <p:sldTgt/>
-                  </p:tgtEl>
-                </p:cond>
-              </p:nextCondLst>
-            </p:seq>
-          </p:childTnLst>
-        </p:cTn>
-      </p:par>
-    </p:tnLst>
-  </p:timing>
 </p:sld>
 </file>
 
-<file path=ppt/slides/slide17.xml><?xml version="1.0" encoding="utf-8"?>
+<file path=ppt/slides/slide18.xml><?xml version="1.0" encoding="utf-8"?>
 <p:sld xmlns:a="http://schemas.openxmlformats.org/drawingml/2006/main" xmlns:r="http://schemas.openxmlformats.org/officeDocument/2006/relationships" xmlns:p="http://schemas.openxmlformats.org/presentationml/2006/main">
   <p:cSld>
     <p:spTree>
@@ -16758,7 +16866,7 @@
 </p:sld>
 </file>
 
-<file path=ppt/slides/slide18.xml><?xml version="1.0" encoding="utf-8"?>
+<file path=ppt/slides/slide19.xml><?xml version="1.0" encoding="utf-8"?>
 <p:sld xmlns:a="http://schemas.openxmlformats.org/drawingml/2006/main" xmlns:r="http://schemas.openxmlformats.org/officeDocument/2006/relationships" xmlns:p="http://schemas.openxmlformats.org/presentationml/2006/main">
   <p:cSld>
     <p:spTree>
@@ -16915,250 +17023,6 @@
                                         </p:cTn>
                                         <p:tgtEl>
                                           <p:spTgt spid="5"/>
-                                        </p:tgtEl>
-                                        <p:attrNameLst>
-                                          <p:attrName>style.visibility</p:attrName>
-                                        </p:attrNameLst>
-                                      </p:cBhvr>
-                                      <p:to>
-                                        <p:strVal val="visible"/>
-                                      </p:to>
-                                    </p:set>
-                                  </p:childTnLst>
-                                </p:cTn>
-                              </p:par>
-                            </p:childTnLst>
-                          </p:cTn>
-                        </p:par>
-                      </p:childTnLst>
-                    </p:cTn>
-                  </p:par>
-                </p:childTnLst>
-              </p:cTn>
-              <p:prevCondLst>
-                <p:cond evt="onPrev" delay="0">
-                  <p:tgtEl>
-                    <p:sldTgt/>
-                  </p:tgtEl>
-                </p:cond>
-              </p:prevCondLst>
-              <p:nextCondLst>
-                <p:cond evt="onNext" delay="0">
-                  <p:tgtEl>
-                    <p:sldTgt/>
-                  </p:tgtEl>
-                </p:cond>
-              </p:nextCondLst>
-            </p:seq>
-          </p:childTnLst>
-        </p:cTn>
-      </p:par>
-    </p:tnLst>
-  </p:timing>
-</p:sld>
-</file>
-
-<file path=ppt/slides/slide19.xml><?xml version="1.0" encoding="utf-8"?>
-<p:sld xmlns:a="http://schemas.openxmlformats.org/drawingml/2006/main" xmlns:r="http://schemas.openxmlformats.org/officeDocument/2006/relationships" xmlns:p="http://schemas.openxmlformats.org/presentationml/2006/main">
-  <p:cSld>
-    <p:spTree>
-      <p:nvGrpSpPr>
-        <p:cNvPr id="1" name=""/>
-        <p:cNvGrpSpPr/>
-        <p:nvPr/>
-      </p:nvGrpSpPr>
-      <p:grpSpPr>
-        <a:xfrm>
-          <a:off x="0" y="0"/>
-          <a:ext cx="0" cy="0"/>
-          <a:chOff x="0" y="0"/>
-          <a:chExt cx="0" cy="0"/>
-        </a:xfrm>
-      </p:grpSpPr>
-      <p:sp>
-        <p:nvSpPr>
-          <p:cNvPr id="2" name="Subtitle 1">
-            <a:extLst>
-              <a:ext uri="{FF2B5EF4-FFF2-40B4-BE49-F238E27FC236}">
-                <a16:creationId xmlns:a16="http://schemas.microsoft.com/office/drawing/2014/main" id="{5A7A6248-F39E-45CA-BF18-6AA84CD0E4FA}"/>
-              </a:ext>
-            </a:extLst>
-          </p:cNvPr>
-          <p:cNvSpPr>
-            <a:spLocks noGrp="1"/>
-          </p:cNvSpPr>
-          <p:nvPr>
-            <p:ph type="subTitle" idx="1"/>
-          </p:nvPr>
-        </p:nvSpPr>
-        <p:spPr>
-          <a:xfrm>
-            <a:off x="714299" y="1259225"/>
-            <a:ext cx="3575761" cy="2935404"/>
-          </a:xfrm>
-        </p:spPr>
-        <p:txBody>
-          <a:bodyPr/>
-          <a:lstStyle/>
-          <a:p>
-            <a:r>
-              <a:rPr lang="en-US" sz="1600" dirty="0"/>
-              <a:t>So, what do these visualizations tell us and what conclusions can we draw from this?</a:t>
-            </a:r>
-          </a:p>
-        </p:txBody>
-      </p:sp>
-      <p:sp>
-        <p:nvSpPr>
-          <p:cNvPr id="3" name="Title 2">
-            <a:extLst>
-              <a:ext uri="{FF2B5EF4-FFF2-40B4-BE49-F238E27FC236}">
-                <a16:creationId xmlns:a16="http://schemas.microsoft.com/office/drawing/2014/main" id="{57B7897D-34E1-4CD3-B21F-9E5E0F3039CB}"/>
-              </a:ext>
-            </a:extLst>
-          </p:cNvPr>
-          <p:cNvSpPr>
-            <a:spLocks noGrp="1"/>
-          </p:cNvSpPr>
-          <p:nvPr>
-            <p:ph type="title"/>
-          </p:nvPr>
-        </p:nvSpPr>
-        <p:spPr/>
-        <p:txBody>
-          <a:bodyPr/>
-          <a:lstStyle/>
-          <a:p>
-            <a:r>
-              <a:rPr lang="en-US" dirty="0"/>
-              <a:t>Question 3 conclusions</a:t>
-            </a:r>
-            <a:endParaRPr lang="en-GB" dirty="0"/>
-          </a:p>
-        </p:txBody>
-      </p:sp>
-      <p:pic>
-        <p:nvPicPr>
-          <p:cNvPr id="6" name="Picture 5" descr="Chart, scatter chart&#10;&#10;Description automatically generated">
-            <a:extLst>
-              <a:ext uri="{FF2B5EF4-FFF2-40B4-BE49-F238E27FC236}">
-                <a16:creationId xmlns:a16="http://schemas.microsoft.com/office/drawing/2014/main" id="{9F9B4B64-9EA6-4F2C-B0C8-DC6EE659BA61}"/>
-              </a:ext>
-            </a:extLst>
-          </p:cNvPr>
-          <p:cNvPicPr>
-            <a:picLocks noChangeAspect="1"/>
-          </p:cNvPicPr>
-          <p:nvPr/>
-        </p:nvPicPr>
-        <p:blipFill>
-          <a:blip r:embed="rId2"/>
-          <a:stretch>
-            <a:fillRect/>
-          </a:stretch>
-        </p:blipFill>
-        <p:spPr>
-          <a:xfrm>
-            <a:off x="4709160" y="775536"/>
-            <a:ext cx="3933437" cy="3552624"/>
-          </a:xfrm>
-          <a:prstGeom prst="rect">
-            <a:avLst/>
-          </a:prstGeom>
-        </p:spPr>
-      </p:pic>
-      <p:sp>
-        <p:nvSpPr>
-          <p:cNvPr id="7" name="TextBox 6">
-            <a:extLst>
-              <a:ext uri="{FF2B5EF4-FFF2-40B4-BE49-F238E27FC236}">
-                <a16:creationId xmlns:a16="http://schemas.microsoft.com/office/drawing/2014/main" id="{3614F432-DD6D-4818-8C52-A7BF632BCA92}"/>
-              </a:ext>
-            </a:extLst>
-          </p:cNvPr>
-          <p:cNvSpPr txBox="1"/>
-          <p:nvPr/>
-        </p:nvSpPr>
-        <p:spPr>
-          <a:xfrm>
-            <a:off x="4709160" y="4328160"/>
-            <a:ext cx="3154680" cy="261610"/>
-          </a:xfrm>
-          <a:prstGeom prst="rect">
-            <a:avLst/>
-          </a:prstGeom>
-          <a:noFill/>
-        </p:spPr>
-        <p:txBody>
-          <a:bodyPr wrap="square" rtlCol="0">
-            <a:spAutoFit/>
-          </a:bodyPr>
-          <a:lstStyle/>
-          <a:p>
-            <a:r>
-              <a:rPr lang="en-US" sz="1100" i="1" dirty="0">
-                <a:solidFill>
-                  <a:srgbClr val="FFFF00"/>
-                </a:solidFill>
-              </a:rPr>
-              <a:t>Featuring the ugliest scatter plot I’ve ever made</a:t>
-            </a:r>
-            <a:endParaRPr lang="en-GB" sz="1100" i="1" dirty="0">
-              <a:solidFill>
-                <a:srgbClr val="FFFF00"/>
-              </a:solidFill>
-            </a:endParaRPr>
-          </a:p>
-        </p:txBody>
-      </p:sp>
-    </p:spTree>
-    <p:extLst>
-      <p:ext uri="{BB962C8B-B14F-4D97-AF65-F5344CB8AC3E}">
-        <p14:creationId xmlns:p14="http://schemas.microsoft.com/office/powerpoint/2010/main" val="1741982713"/>
-      </p:ext>
-    </p:extLst>
-  </p:cSld>
-  <p:clrMapOvr>
-    <a:masterClrMapping/>
-  </p:clrMapOvr>
-  <p:transition spd="slow">
-    <p:wipe/>
-  </p:transition>
-  <p:timing>
-    <p:tnLst>
-      <p:par>
-        <p:cTn id="1" dur="indefinite" restart="never" nodeType="tmRoot">
-          <p:childTnLst>
-            <p:seq concurrent="1" nextAc="seek">
-              <p:cTn id="2" dur="indefinite" nodeType="mainSeq">
-                <p:childTnLst>
-                  <p:par>
-                    <p:cTn id="3" fill="hold">
-                      <p:stCondLst>
-                        <p:cond delay="indefinite"/>
-                      </p:stCondLst>
-                      <p:childTnLst>
-                        <p:par>
-                          <p:cTn id="4" fill="hold">
-                            <p:stCondLst>
-                              <p:cond delay="0"/>
-                            </p:stCondLst>
-                            <p:childTnLst>
-                              <p:par>
-                                <p:cTn id="5" presetID="1" presetClass="entr" presetSubtype="0" fill="hold" nodeType="clickEffect">
-                                  <p:stCondLst>
-                                    <p:cond delay="0"/>
-                                  </p:stCondLst>
-                                  <p:childTnLst>
-                                    <p:set>
-                                      <p:cBhvr>
-                                        <p:cTn id="6" dur="1" fill="hold">
-                                          <p:stCondLst>
-                                            <p:cond delay="0"/>
-                                          </p:stCondLst>
-                                        </p:cTn>
-                                        <p:tgtEl>
-                                          <p:spTgt spid="6"/>
                                         </p:tgtEl>
                                         <p:attrNameLst>
                                           <p:attrName>style.visibility</p:attrName>
@@ -25339,6 +25203,101 @@
       </p:grpSpPr>
       <p:sp>
         <p:nvSpPr>
+          <p:cNvPr id="2" name="Subtitle 1">
+            <a:extLst>
+              <a:ext uri="{FF2B5EF4-FFF2-40B4-BE49-F238E27FC236}">
+                <a16:creationId xmlns:a16="http://schemas.microsoft.com/office/drawing/2014/main" id="{5A7A6248-F39E-45CA-BF18-6AA84CD0E4FA}"/>
+              </a:ext>
+            </a:extLst>
+          </p:cNvPr>
+          <p:cNvSpPr>
+            <a:spLocks noGrp="1"/>
+          </p:cNvSpPr>
+          <p:nvPr>
+            <p:ph type="subTitle" idx="1"/>
+          </p:nvPr>
+        </p:nvSpPr>
+        <p:spPr>
+          <a:xfrm>
+            <a:off x="714299" y="1259225"/>
+            <a:ext cx="7172401" cy="2935404"/>
+          </a:xfrm>
+        </p:spPr>
+        <p:txBody>
+          <a:bodyPr/>
+          <a:lstStyle/>
+          <a:p>
+            <a:r>
+              <a:rPr lang="en-US" sz="1600" dirty="0"/>
+              <a:t>So, what do these visualizations tell us and what conclusions can we draw from this?</a:t>
+            </a:r>
+          </a:p>
+        </p:txBody>
+      </p:sp>
+      <p:sp>
+        <p:nvSpPr>
+          <p:cNvPr id="3" name="Title 2">
+            <a:extLst>
+              <a:ext uri="{FF2B5EF4-FFF2-40B4-BE49-F238E27FC236}">
+                <a16:creationId xmlns:a16="http://schemas.microsoft.com/office/drawing/2014/main" id="{57B7897D-34E1-4CD3-B21F-9E5E0F3039CB}"/>
+              </a:ext>
+            </a:extLst>
+          </p:cNvPr>
+          <p:cNvSpPr>
+            <a:spLocks noGrp="1"/>
+          </p:cNvSpPr>
+          <p:nvPr>
+            <p:ph type="title"/>
+          </p:nvPr>
+        </p:nvSpPr>
+        <p:spPr/>
+        <p:txBody>
+          <a:bodyPr/>
+          <a:lstStyle/>
+          <a:p>
+            <a:r>
+              <a:rPr lang="en-US" dirty="0"/>
+              <a:t>Question 3 conclusions</a:t>
+            </a:r>
+            <a:endParaRPr lang="en-GB" dirty="0"/>
+          </a:p>
+        </p:txBody>
+      </p:sp>
+    </p:spTree>
+    <p:extLst>
+      <p:ext uri="{BB962C8B-B14F-4D97-AF65-F5344CB8AC3E}">
+        <p14:creationId xmlns:p14="http://schemas.microsoft.com/office/powerpoint/2010/main" val="1741982713"/>
+      </p:ext>
+    </p:extLst>
+  </p:cSld>
+  <p:clrMapOvr>
+    <a:masterClrMapping/>
+  </p:clrMapOvr>
+  <p:transition spd="slow">
+    <p:wipe/>
+  </p:transition>
+</p:sld>
+</file>
+
+<file path=ppt/slides/slide21.xml><?xml version="1.0" encoding="utf-8"?>
+<p:sld xmlns:a="http://schemas.openxmlformats.org/drawingml/2006/main" xmlns:r="http://schemas.openxmlformats.org/officeDocument/2006/relationships" xmlns:p="http://schemas.openxmlformats.org/presentationml/2006/main">
+  <p:cSld>
+    <p:spTree>
+      <p:nvGrpSpPr>
+        <p:cNvPr id="1" name=""/>
+        <p:cNvGrpSpPr/>
+        <p:nvPr/>
+      </p:nvGrpSpPr>
+      <p:grpSpPr>
+        <a:xfrm>
+          <a:off x="0" y="0"/>
+          <a:ext cx="0" cy="0"/>
+          <a:chOff x="0" y="0"/>
+          <a:chExt cx="0" cy="0"/>
+        </a:xfrm>
+      </p:grpSpPr>
+      <p:sp>
+        <p:nvSpPr>
           <p:cNvPr id="3" name="Title 2">
             <a:extLst>
               <a:ext uri="{FF2B5EF4-FFF2-40B4-BE49-F238E27FC236}">
@@ -25670,7 +25629,7 @@
 </p:sld>
 </file>
 
-<file path=ppt/slides/slide21.xml><?xml version="1.0" encoding="utf-8"?>
+<file path=ppt/slides/slide22.xml><?xml version="1.0" encoding="utf-8"?>
 <p:sld xmlns:a="http://schemas.openxmlformats.org/drawingml/2006/main" xmlns:r="http://schemas.openxmlformats.org/officeDocument/2006/relationships" xmlns:p="http://schemas.openxmlformats.org/presentationml/2006/main">
   <p:cSld>
     <p:spTree>
@@ -25963,7 +25922,7 @@
 </p:sld>
 </file>
 
-<file path=ppt/slides/slide22.xml><?xml version="1.0" encoding="utf-8"?>
+<file path=ppt/slides/slide23.xml><?xml version="1.0" encoding="utf-8"?>
 <p:sld xmlns:a="http://schemas.openxmlformats.org/drawingml/2006/main" xmlns:r="http://schemas.openxmlformats.org/officeDocument/2006/relationships" xmlns:p="http://schemas.openxmlformats.org/presentationml/2006/main">
   <p:cSld>
     <p:spTree>
@@ -26374,7 +26333,7 @@
 </p:sld>
 </file>
 
-<file path=ppt/slides/slide23.xml><?xml version="1.0" encoding="utf-8"?>
+<file path=ppt/slides/slide24.xml><?xml version="1.0" encoding="utf-8"?>
 <p:sld xmlns:a="http://schemas.openxmlformats.org/drawingml/2006/main" xmlns:r="http://schemas.openxmlformats.org/officeDocument/2006/relationships" xmlns:p="http://schemas.openxmlformats.org/presentationml/2006/main">
   <p:cSld>
     <p:spTree>
@@ -26930,7 +26889,7 @@
 </p:sld>
 </file>
 
-<file path=ppt/slides/slide24.xml><?xml version="1.0" encoding="utf-8"?>
+<file path=ppt/slides/slide25.xml><?xml version="1.0" encoding="utf-8"?>
 <p:sld xmlns:a="http://schemas.openxmlformats.org/drawingml/2006/main" xmlns:r="http://schemas.openxmlformats.org/officeDocument/2006/relationships" xmlns:p="http://schemas.openxmlformats.org/presentationml/2006/main">
   <p:cSld>
     <p:spTree>
@@ -27481,7 +27440,7 @@
 </p:sld>
 </file>
 
-<file path=ppt/slides/slide25.xml><?xml version="1.0" encoding="utf-8"?>
+<file path=ppt/slides/slide26.xml><?xml version="1.0" encoding="utf-8"?>
 <p:sld xmlns:a="http://schemas.openxmlformats.org/drawingml/2006/main" xmlns:r="http://schemas.openxmlformats.org/officeDocument/2006/relationships" xmlns:p="http://schemas.openxmlformats.org/presentationml/2006/main">
   <p:cSld>
     <p:spTree>
@@ -27584,7 +27543,7 @@
 </p:sld>
 </file>
 
-<file path=ppt/slides/slide26.xml><?xml version="1.0" encoding="utf-8"?>
+<file path=ppt/slides/slide27.xml><?xml version="1.0" encoding="utf-8"?>
 <p:sld xmlns:a="http://schemas.openxmlformats.org/drawingml/2006/main" xmlns:r="http://schemas.openxmlformats.org/officeDocument/2006/relationships" xmlns:p="http://schemas.openxmlformats.org/presentationml/2006/main">
   <p:cSld>
     <p:spTree>
@@ -38311,7 +38270,7 @@
       <p:sp>
         <p:nvSpPr>
           <p:cNvPr id="337" name="Google Shape;337;p35">
-            <a:hlinkClick r:id="" action="ppaction://noaction"/>
+            <a:hlinkClick r:id="rId4" action="ppaction://hlinksldjump"/>
           </p:cNvPr>
           <p:cNvSpPr txBox="1"/>
           <p:nvPr/>
@@ -38806,7 +38765,7 @@
       <p:sp>
         <p:nvSpPr>
           <p:cNvPr id="349" name="Google Shape;349;p35">
-            <a:hlinkClick r:id="rId4" action="ppaction://hlinksldjump"/>
+            <a:hlinkClick r:id="rId5" action="ppaction://hlinksldjump"/>
           </p:cNvPr>
           <p:cNvSpPr/>
           <p:nvPr/>
